--- a/microsimulation_manual/Tax Microsimulation Model - Poland.pptx
+++ b/microsimulation_manual/Tax Microsimulation Model - Poland.pptx
@@ -5,7 +5,7 @@
     <p:sldMasterId id="2147484041" r:id="rId1"/>
   </p:sldMasterIdLst>
   <p:notesMasterIdLst>
-    <p:notesMasterId r:id="rId43"/>
+    <p:notesMasterId r:id="rId47"/>
   </p:notesMasterIdLst>
   <p:sldIdLst>
     <p:sldId id="256" r:id="rId2"/>
@@ -43,12 +43,16 @@
     <p:sldId id="274" r:id="rId34"/>
     <p:sldId id="272" r:id="rId35"/>
     <p:sldId id="271" r:id="rId36"/>
-    <p:sldId id="260" r:id="rId37"/>
-    <p:sldId id="261" r:id="rId38"/>
-    <p:sldId id="277" r:id="rId39"/>
-    <p:sldId id="276" r:id="rId40"/>
-    <p:sldId id="264" r:id="rId41"/>
-    <p:sldId id="278" r:id="rId42"/>
+    <p:sldId id="314" r:id="rId37"/>
+    <p:sldId id="315" r:id="rId38"/>
+    <p:sldId id="316" r:id="rId39"/>
+    <p:sldId id="317" r:id="rId40"/>
+    <p:sldId id="260" r:id="rId41"/>
+    <p:sldId id="261" r:id="rId42"/>
+    <p:sldId id="277" r:id="rId43"/>
+    <p:sldId id="276" r:id="rId44"/>
+    <p:sldId id="264" r:id="rId45"/>
+    <p:sldId id="278" r:id="rId46"/>
   </p:sldIdLst>
   <p:sldSz cx="12192000" cy="6858000"/>
   <p:notesSz cx="6858000" cy="9144000"/>
@@ -191,6 +195,18 @@
             <p14:sldId id="274"/>
             <p14:sldId id="272"/>
             <p14:sldId id="271"/>
+          </p14:sldIdLst>
+        </p14:section>
+        <p14:section name="Added slides" id="{23DE4C9A-77FE-4AB7-A509-44A823F33CA0}">
+          <p14:sldIdLst>
+            <p14:sldId id="314"/>
+            <p14:sldId id="315"/>
+            <p14:sldId id="316"/>
+            <p14:sldId id="317"/>
+          </p14:sldIdLst>
+        </p14:section>
+        <p14:section name="End" id="{2F8D63AB-BFFA-4949-89C9-6F00D19AA2CF}">
+          <p14:sldIdLst>
             <p14:sldId id="260"/>
             <p14:sldId id="261"/>
             <p14:sldId id="277"/>
@@ -210,7 +226,7 @@
 
 <file path=ppt/commentAuthors.xml><?xml version="1.0" encoding="utf-8"?>
 <p:cmAuthorLst xmlns:a="http://schemas.openxmlformats.org/drawingml/2006/main" xmlns:r="http://schemas.openxmlformats.org/officeDocument/2006/relationships" xmlns:p="http://schemas.openxmlformats.org/presentationml/2006/main">
-  <p:cmAuthor id="1" name="Sana Elahi" initials="SE" lastIdx="1" clrIdx="0">
+  <p:cmAuthor id="1" name="Sana Elahi" initials="SE" lastIdx="2" clrIdx="0">
     <p:extLst>
       <p:ext uri="{19B8F6BF-5375-455C-9EA6-DF929625EA0E}">
         <p15:presenceInfo xmlns:p15="http://schemas.microsoft.com/office/powerpoint/2012/main" userId="S::selahi@worldbank.org::957d28fc-6856-4508-a61c-f1922275ea0e" providerId="AD"/>
@@ -218,6 +234,359 @@
     </p:extLst>
   </p:cmAuthor>
 </p:cmAuthorLst>
+</file>
+
+<file path=ppt/revisionInfo.xml><?xml version="1.0" encoding="utf-8"?>
+<p1510:revInfo xmlns:a="http://schemas.openxmlformats.org/drawingml/2006/main" xmlns:r="http://schemas.openxmlformats.org/officeDocument/2006/relationships" xmlns:p1510="http://schemas.microsoft.com/office/powerpoint/2015/10/main">
+  <p1510:revLst>
+    <p1510:client id="{3EE54417-BB88-4D4D-A2C0-E7898BE34989}" v="33" dt="2020-06-15T22:05:01.059"/>
+    <p1510:client id="{EF3BA0A5-7CA8-47A6-8F4D-4EE2DFC2CA66}" v="383" dt="2020-06-15T23:53:47.330"/>
+  </p1510:revLst>
+</p1510:revInfo>
+</file>
+
+<file path=ppt/changesInfos/changesInfo1.xml><?xml version="1.0" encoding="utf-8"?>
+<pc:chgInfo xmlns:a="http://schemas.openxmlformats.org/drawingml/2006/main" xmlns:r="http://schemas.openxmlformats.org/officeDocument/2006/relationships" xmlns:ac="http://schemas.microsoft.com/office/drawing/2013/main/command" xmlns:pc="http://schemas.microsoft.com/office/powerpoint/2013/main/command">
+  <pc:docChgLst>
+    <pc:chgData name="Sana Elahi" userId="957d28fc-6856-4508-a61c-f1922275ea0e" providerId="ADAL" clId="{3EE54417-BB88-4D4D-A2C0-E7898BE34989}"/>
+    <pc:docChg chg="modSld">
+      <pc:chgData name="Sana Elahi" userId="957d28fc-6856-4508-a61c-f1922275ea0e" providerId="ADAL" clId="{3EE54417-BB88-4D4D-A2C0-E7898BE34989}" dt="2020-06-15T22:05:01.059" v="32" actId="20577"/>
+      <pc:docMkLst>
+        <pc:docMk/>
+      </pc:docMkLst>
+      <pc:sldChg chg="modSp">
+        <pc:chgData name="Sana Elahi" userId="957d28fc-6856-4508-a61c-f1922275ea0e" providerId="ADAL" clId="{3EE54417-BB88-4D4D-A2C0-E7898BE34989}" dt="2020-06-15T22:05:01.059" v="32" actId="20577"/>
+        <pc:sldMkLst>
+          <pc:docMk/>
+          <pc:sldMk cId="4013160048" sldId="314"/>
+        </pc:sldMkLst>
+        <pc:spChg chg="mod">
+          <ac:chgData name="Sana Elahi" userId="957d28fc-6856-4508-a61c-f1922275ea0e" providerId="ADAL" clId="{3EE54417-BB88-4D4D-A2C0-E7898BE34989}" dt="2020-06-15T22:05:01.059" v="32" actId="20577"/>
+          <ac:spMkLst>
+            <pc:docMk/>
+            <pc:sldMk cId="4013160048" sldId="314"/>
+            <ac:spMk id="7" creationId="{B931ADF5-73F3-4EE4-8A9D-C197F41E6617}"/>
+          </ac:spMkLst>
+        </pc:spChg>
+      </pc:sldChg>
+    </pc:docChg>
+  </pc:docChgLst>
+  <pc:docChgLst>
+    <pc:chgData name="Sana Elahi" userId="957d28fc-6856-4508-a61c-f1922275ea0e" providerId="ADAL" clId="{EF3BA0A5-7CA8-47A6-8F4D-4EE2DFC2CA66}"/>
+    <pc:docChg chg="undo redo custSel mod addSld modSld">
+      <pc:chgData name="Sana Elahi" userId="957d28fc-6856-4508-a61c-f1922275ea0e" providerId="ADAL" clId="{EF3BA0A5-7CA8-47A6-8F4D-4EE2DFC2CA66}" dt="2020-06-15T23:53:59.081" v="1341" actId="14100"/>
+      <pc:docMkLst>
+        <pc:docMk/>
+      </pc:docMkLst>
+      <pc:sldChg chg="addSp delSp modSp add mod setBg addCm">
+        <pc:chgData name="Sana Elahi" userId="957d28fc-6856-4508-a61c-f1922275ea0e" providerId="ADAL" clId="{EF3BA0A5-7CA8-47A6-8F4D-4EE2DFC2CA66}" dt="2020-06-15T23:53:07.304" v="1340" actId="1589"/>
+        <pc:sldMkLst>
+          <pc:docMk/>
+          <pc:sldMk cId="4013160048" sldId="314"/>
+        </pc:sldMkLst>
+        <pc:spChg chg="del">
+          <ac:chgData name="Sana Elahi" userId="957d28fc-6856-4508-a61c-f1922275ea0e" providerId="ADAL" clId="{EF3BA0A5-7CA8-47A6-8F4D-4EE2DFC2CA66}" dt="2020-06-15T21:17:42.057" v="2"/>
+          <ac:spMkLst>
+            <pc:docMk/>
+            <pc:sldMk cId="4013160048" sldId="314"/>
+            <ac:spMk id="2" creationId="{23BBE89C-FB83-4583-ADBE-98CD9FAD13CD}"/>
+          </ac:spMkLst>
+        </pc:spChg>
+        <pc:spChg chg="del">
+          <ac:chgData name="Sana Elahi" userId="957d28fc-6856-4508-a61c-f1922275ea0e" providerId="ADAL" clId="{EF3BA0A5-7CA8-47A6-8F4D-4EE2DFC2CA66}" dt="2020-06-15T21:17:42.057" v="2"/>
+          <ac:spMkLst>
+            <pc:docMk/>
+            <pc:sldMk cId="4013160048" sldId="314"/>
+            <ac:spMk id="3" creationId="{10B4D49C-22DD-426A-A904-D5DB74114BAC}"/>
+          </ac:spMkLst>
+        </pc:spChg>
+        <pc:spChg chg="del">
+          <ac:chgData name="Sana Elahi" userId="957d28fc-6856-4508-a61c-f1922275ea0e" providerId="ADAL" clId="{EF3BA0A5-7CA8-47A6-8F4D-4EE2DFC2CA66}" dt="2020-06-15T21:17:42.057" v="2"/>
+          <ac:spMkLst>
+            <pc:docMk/>
+            <pc:sldMk cId="4013160048" sldId="314"/>
+            <ac:spMk id="4" creationId="{0DE4244B-6732-4986-B065-13731F972BC7}"/>
+          </ac:spMkLst>
+        </pc:spChg>
+        <pc:spChg chg="mod">
+          <ac:chgData name="Sana Elahi" userId="957d28fc-6856-4508-a61c-f1922275ea0e" providerId="ADAL" clId="{EF3BA0A5-7CA8-47A6-8F4D-4EE2DFC2CA66}" dt="2020-06-15T22:14:28.880" v="577" actId="26606"/>
+          <ac:spMkLst>
+            <pc:docMk/>
+            <pc:sldMk cId="4013160048" sldId="314"/>
+            <ac:spMk id="5" creationId="{22474D9F-62DC-4E69-B80E-419434808C0E}"/>
+          </ac:spMkLst>
+        </pc:spChg>
+        <pc:spChg chg="add mod">
+          <ac:chgData name="Sana Elahi" userId="957d28fc-6856-4508-a61c-f1922275ea0e" providerId="ADAL" clId="{EF3BA0A5-7CA8-47A6-8F4D-4EE2DFC2CA66}" dt="2020-06-15T23:41:15.426" v="1087" actId="113"/>
+          <ac:spMkLst>
+            <pc:docMk/>
+            <pc:sldMk cId="4013160048" sldId="314"/>
+            <ac:spMk id="6" creationId="{58875946-8630-4671-97E1-C51F7AA9BEE1}"/>
+          </ac:spMkLst>
+        </pc:spChg>
+        <pc:spChg chg="add del mod">
+          <ac:chgData name="Sana Elahi" userId="957d28fc-6856-4508-a61c-f1922275ea0e" providerId="ADAL" clId="{EF3BA0A5-7CA8-47A6-8F4D-4EE2DFC2CA66}" dt="2020-06-15T22:13:28.081" v="558" actId="931"/>
+          <ac:spMkLst>
+            <pc:docMk/>
+            <pc:sldMk cId="4013160048" sldId="314"/>
+            <ac:spMk id="7" creationId="{B931ADF5-73F3-4EE4-8A9D-C197F41E6617}"/>
+          </ac:spMkLst>
+        </pc:spChg>
+        <pc:spChg chg="add mod">
+          <ac:chgData name="Sana Elahi" userId="957d28fc-6856-4508-a61c-f1922275ea0e" providerId="ADAL" clId="{EF3BA0A5-7CA8-47A6-8F4D-4EE2DFC2CA66}" dt="2020-06-15T22:15:20.910" v="586" actId="14100"/>
+          <ac:spMkLst>
+            <pc:docMk/>
+            <pc:sldMk cId="4013160048" sldId="314"/>
+            <ac:spMk id="8" creationId="{24992C9B-92AD-4E9B-AD51-ED4B98EAC924}"/>
+          </ac:spMkLst>
+        </pc:spChg>
+        <pc:spChg chg="add del">
+          <ac:chgData name="Sana Elahi" userId="957d28fc-6856-4508-a61c-f1922275ea0e" providerId="ADAL" clId="{EF3BA0A5-7CA8-47A6-8F4D-4EE2DFC2CA66}" dt="2020-06-15T22:14:06.233" v="569" actId="26606"/>
+          <ac:spMkLst>
+            <pc:docMk/>
+            <pc:sldMk cId="4013160048" sldId="314"/>
+            <ac:spMk id="12" creationId="{058A14AF-9FB5-4CC7-BA35-E8E85D3EDF0E}"/>
+          </ac:spMkLst>
+        </pc:spChg>
+        <pc:spChg chg="add del">
+          <ac:chgData name="Sana Elahi" userId="957d28fc-6856-4508-a61c-f1922275ea0e" providerId="ADAL" clId="{EF3BA0A5-7CA8-47A6-8F4D-4EE2DFC2CA66}" dt="2020-06-15T22:14:06.233" v="569" actId="26606"/>
+          <ac:spMkLst>
+            <pc:docMk/>
+            <pc:sldMk cId="4013160048" sldId="314"/>
+            <ac:spMk id="13" creationId="{3A9A4357-BD1D-4622-A4FE-766E6AB8DE84}"/>
+          </ac:spMkLst>
+        </pc:spChg>
+        <pc:spChg chg="add del">
+          <ac:chgData name="Sana Elahi" userId="957d28fc-6856-4508-a61c-f1922275ea0e" providerId="ADAL" clId="{EF3BA0A5-7CA8-47A6-8F4D-4EE2DFC2CA66}" dt="2020-06-15T22:13:51.104" v="565" actId="26606"/>
+          <ac:spMkLst>
+            <pc:docMk/>
+            <pc:sldMk cId="4013160048" sldId="314"/>
+            <ac:spMk id="15" creationId="{DD38EE57-B708-47C9-A4A4-E25F09FAB029}"/>
+          </ac:spMkLst>
+        </pc:spChg>
+        <pc:spChg chg="add del">
+          <ac:chgData name="Sana Elahi" userId="957d28fc-6856-4508-a61c-f1922275ea0e" providerId="ADAL" clId="{EF3BA0A5-7CA8-47A6-8F4D-4EE2DFC2CA66}" dt="2020-06-15T22:14:06.233" v="569" actId="26606"/>
+          <ac:spMkLst>
+            <pc:docMk/>
+            <pc:sldMk cId="4013160048" sldId="314"/>
+            <ac:spMk id="19" creationId="{E659831F-0D9A-4C63-9EBB-8435B85A440F}"/>
+          </ac:spMkLst>
+        </pc:spChg>
+        <pc:spChg chg="add del">
+          <ac:chgData name="Sana Elahi" userId="957d28fc-6856-4508-a61c-f1922275ea0e" providerId="ADAL" clId="{EF3BA0A5-7CA8-47A6-8F4D-4EE2DFC2CA66}" dt="2020-06-15T22:14:06.233" v="569" actId="26606"/>
+          <ac:spMkLst>
+            <pc:docMk/>
+            <pc:sldMk cId="4013160048" sldId="314"/>
+            <ac:spMk id="21" creationId="{E6995CE5-F890-4ABA-82A2-26507CE8D2A3}"/>
+          </ac:spMkLst>
+        </pc:spChg>
+        <pc:grpChg chg="add del">
+          <ac:chgData name="Sana Elahi" userId="957d28fc-6856-4508-a61c-f1922275ea0e" providerId="ADAL" clId="{EF3BA0A5-7CA8-47A6-8F4D-4EE2DFC2CA66}" dt="2020-06-15T22:13:51.104" v="565" actId="26606"/>
+          <ac:grpSpMkLst>
+            <pc:docMk/>
+            <pc:sldMk cId="4013160048" sldId="314"/>
+            <ac:grpSpMk id="17" creationId="{57A28182-58A5-4DBB-8F64-BD944BCA8154}"/>
+          </ac:grpSpMkLst>
+        </pc:grpChg>
+        <pc:picChg chg="add mod ord">
+          <ac:chgData name="Sana Elahi" userId="957d28fc-6856-4508-a61c-f1922275ea0e" providerId="ADAL" clId="{EF3BA0A5-7CA8-47A6-8F4D-4EE2DFC2CA66}" dt="2020-06-15T22:15:11.338" v="585" actId="14100"/>
+          <ac:picMkLst>
+            <pc:docMk/>
+            <pc:sldMk cId="4013160048" sldId="314"/>
+            <ac:picMk id="10" creationId="{5E1AE2C7-56E1-47DA-9C77-3EBDD4D19376}"/>
+          </ac:picMkLst>
+        </pc:picChg>
+      </pc:sldChg>
+      <pc:sldChg chg="addSp delSp modSp add">
+        <pc:chgData name="Sana Elahi" userId="957d28fc-6856-4508-a61c-f1922275ea0e" providerId="ADAL" clId="{EF3BA0A5-7CA8-47A6-8F4D-4EE2DFC2CA66}" dt="2020-06-15T23:44:50.982" v="1169" actId="1582"/>
+        <pc:sldMkLst>
+          <pc:docMk/>
+          <pc:sldMk cId="2984958281" sldId="315"/>
+        </pc:sldMkLst>
+        <pc:spChg chg="del">
+          <ac:chgData name="Sana Elahi" userId="957d28fc-6856-4508-a61c-f1922275ea0e" providerId="ADAL" clId="{EF3BA0A5-7CA8-47A6-8F4D-4EE2DFC2CA66}" dt="2020-06-15T21:18:41.262" v="3"/>
+          <ac:spMkLst>
+            <pc:docMk/>
+            <pc:sldMk cId="2984958281" sldId="315"/>
+            <ac:spMk id="2" creationId="{EE0022AF-5E8F-48EE-82A1-EA22FD5D3CD9}"/>
+          </ac:spMkLst>
+        </pc:spChg>
+        <pc:spChg chg="del">
+          <ac:chgData name="Sana Elahi" userId="957d28fc-6856-4508-a61c-f1922275ea0e" providerId="ADAL" clId="{EF3BA0A5-7CA8-47A6-8F4D-4EE2DFC2CA66}" dt="2020-06-15T21:18:41.262" v="3"/>
+          <ac:spMkLst>
+            <pc:docMk/>
+            <pc:sldMk cId="2984958281" sldId="315"/>
+            <ac:spMk id="3" creationId="{CEFBB4C2-A936-4E57-B689-DAC3C3EDDA93}"/>
+          </ac:spMkLst>
+        </pc:spChg>
+        <pc:spChg chg="del">
+          <ac:chgData name="Sana Elahi" userId="957d28fc-6856-4508-a61c-f1922275ea0e" providerId="ADAL" clId="{EF3BA0A5-7CA8-47A6-8F4D-4EE2DFC2CA66}" dt="2020-06-15T21:18:41.262" v="3"/>
+          <ac:spMkLst>
+            <pc:docMk/>
+            <pc:sldMk cId="2984958281" sldId="315"/>
+            <ac:spMk id="4" creationId="{F69A85F3-C9BB-45A1-B747-7544302E82F6}"/>
+          </ac:spMkLst>
+        </pc:spChg>
+        <pc:spChg chg="add mod">
+          <ac:chgData name="Sana Elahi" userId="957d28fc-6856-4508-a61c-f1922275ea0e" providerId="ADAL" clId="{EF3BA0A5-7CA8-47A6-8F4D-4EE2DFC2CA66}" dt="2020-06-15T23:41:21.129" v="1088" actId="113"/>
+          <ac:spMkLst>
+            <pc:docMk/>
+            <pc:sldMk cId="2984958281" sldId="315"/>
+            <ac:spMk id="6" creationId="{F6675E77-1DA1-4E07-9E77-F418E8FB2A27}"/>
+          </ac:spMkLst>
+        </pc:spChg>
+        <pc:spChg chg="add del mod">
+          <ac:chgData name="Sana Elahi" userId="957d28fc-6856-4508-a61c-f1922275ea0e" providerId="ADAL" clId="{EF3BA0A5-7CA8-47A6-8F4D-4EE2DFC2CA66}" dt="2020-06-15T23:03:52.628" v="653"/>
+          <ac:spMkLst>
+            <pc:docMk/>
+            <pc:sldMk cId="2984958281" sldId="315"/>
+            <ac:spMk id="7" creationId="{CF7A087A-3008-401D-BC90-E547F3344A50}"/>
+          </ac:spMkLst>
+        </pc:spChg>
+        <pc:spChg chg="add del mod">
+          <ac:chgData name="Sana Elahi" userId="957d28fc-6856-4508-a61c-f1922275ea0e" providerId="ADAL" clId="{EF3BA0A5-7CA8-47A6-8F4D-4EE2DFC2CA66}" dt="2020-06-15T23:33:51.047" v="960" actId="931"/>
+          <ac:spMkLst>
+            <pc:docMk/>
+            <pc:sldMk cId="2984958281" sldId="315"/>
+            <ac:spMk id="8" creationId="{C248173A-75CE-4C95-BB0C-7D4E71AA9EF2}"/>
+          </ac:spMkLst>
+        </pc:spChg>
+        <pc:spChg chg="add mod">
+          <ac:chgData name="Sana Elahi" userId="957d28fc-6856-4508-a61c-f1922275ea0e" providerId="ADAL" clId="{EF3BA0A5-7CA8-47A6-8F4D-4EE2DFC2CA66}" dt="2020-06-15T23:42:13.269" v="1102" actId="20577"/>
+          <ac:spMkLst>
+            <pc:docMk/>
+            <pc:sldMk cId="2984958281" sldId="315"/>
+            <ac:spMk id="9" creationId="{59C6D6FB-4B17-4187-B3F0-92A59746299D}"/>
+          </ac:spMkLst>
+        </pc:spChg>
+        <pc:spChg chg="add mod">
+          <ac:chgData name="Sana Elahi" userId="957d28fc-6856-4508-a61c-f1922275ea0e" providerId="ADAL" clId="{EF3BA0A5-7CA8-47A6-8F4D-4EE2DFC2CA66}" dt="2020-06-15T23:44:50.982" v="1169" actId="1582"/>
+          <ac:spMkLst>
+            <pc:docMk/>
+            <pc:sldMk cId="2984958281" sldId="315"/>
+            <ac:spMk id="12" creationId="{D7EF3378-60A5-4ABC-AB57-0EB60B5F76B5}"/>
+          </ac:spMkLst>
+        </pc:spChg>
+        <pc:picChg chg="add mod">
+          <ac:chgData name="Sana Elahi" userId="957d28fc-6856-4508-a61c-f1922275ea0e" providerId="ADAL" clId="{EF3BA0A5-7CA8-47A6-8F4D-4EE2DFC2CA66}" dt="2020-06-15T23:34:33.245" v="966" actId="14100"/>
+          <ac:picMkLst>
+            <pc:docMk/>
+            <pc:sldMk cId="2984958281" sldId="315"/>
+            <ac:picMk id="11" creationId="{81F407E7-8BF5-45BE-89B9-E4899EF7FDA4}"/>
+          </ac:picMkLst>
+        </pc:picChg>
+      </pc:sldChg>
+      <pc:sldChg chg="addSp delSp modSp add">
+        <pc:chgData name="Sana Elahi" userId="957d28fc-6856-4508-a61c-f1922275ea0e" providerId="ADAL" clId="{EF3BA0A5-7CA8-47A6-8F4D-4EE2DFC2CA66}" dt="2020-06-15T23:52:30.108" v="1339" actId="207"/>
+        <pc:sldMkLst>
+          <pc:docMk/>
+          <pc:sldMk cId="2356277649" sldId="316"/>
+        </pc:sldMkLst>
+        <pc:spChg chg="mod">
+          <ac:chgData name="Sana Elahi" userId="957d28fc-6856-4508-a61c-f1922275ea0e" providerId="ADAL" clId="{EF3BA0A5-7CA8-47A6-8F4D-4EE2DFC2CA66}" dt="2020-06-15T23:49:39.623" v="1326" actId="20577"/>
+          <ac:spMkLst>
+            <pc:docMk/>
+            <pc:sldMk cId="2356277649" sldId="316"/>
+            <ac:spMk id="2" creationId="{1B00EC58-0B97-449E-AC2C-184C35CC4016}"/>
+          </ac:spMkLst>
+        </pc:spChg>
+        <pc:spChg chg="del">
+          <ac:chgData name="Sana Elahi" userId="957d28fc-6856-4508-a61c-f1922275ea0e" providerId="ADAL" clId="{EF3BA0A5-7CA8-47A6-8F4D-4EE2DFC2CA66}" dt="2020-06-15T23:51:25.411" v="1327" actId="931"/>
+          <ac:spMkLst>
+            <pc:docMk/>
+            <pc:sldMk cId="2356277649" sldId="316"/>
+            <ac:spMk id="3" creationId="{5ACFA3C0-58B3-47F9-8105-F5FADECDE659}"/>
+          </ac:spMkLst>
+        </pc:spChg>
+        <pc:spChg chg="mod">
+          <ac:chgData name="Sana Elahi" userId="957d28fc-6856-4508-a61c-f1922275ea0e" providerId="ADAL" clId="{EF3BA0A5-7CA8-47A6-8F4D-4EE2DFC2CA66}" dt="2020-06-15T23:52:01.455" v="1336" actId="1076"/>
+          <ac:spMkLst>
+            <pc:docMk/>
+            <pc:sldMk cId="2356277649" sldId="316"/>
+            <ac:spMk id="4" creationId="{291C95CF-2F4A-4824-AEFE-D0BEC1E26234}"/>
+          </ac:spMkLst>
+        </pc:spChg>
+        <pc:spChg chg="add mod">
+          <ac:chgData name="Sana Elahi" userId="957d28fc-6856-4508-a61c-f1922275ea0e" providerId="ADAL" clId="{EF3BA0A5-7CA8-47A6-8F4D-4EE2DFC2CA66}" dt="2020-06-15T23:52:30.108" v="1339" actId="207"/>
+          <ac:spMkLst>
+            <pc:docMk/>
+            <pc:sldMk cId="2356277649" sldId="316"/>
+            <ac:spMk id="8" creationId="{63F02FE1-9BFF-48A6-8CAF-84239EB7A65A}"/>
+          </ac:spMkLst>
+        </pc:spChg>
+        <pc:picChg chg="add mod">
+          <ac:chgData name="Sana Elahi" userId="957d28fc-6856-4508-a61c-f1922275ea0e" providerId="ADAL" clId="{EF3BA0A5-7CA8-47A6-8F4D-4EE2DFC2CA66}" dt="2020-06-15T23:51:56.499" v="1335" actId="14100"/>
+          <ac:picMkLst>
+            <pc:docMk/>
+            <pc:sldMk cId="2356277649" sldId="316"/>
+            <ac:picMk id="7" creationId="{D8C6BD92-A3E9-4555-A10C-ABC2C6F286A1}"/>
+          </ac:picMkLst>
+        </pc:picChg>
+      </pc:sldChg>
+      <pc:sldChg chg="addSp delSp modSp add">
+        <pc:chgData name="Sana Elahi" userId="957d28fc-6856-4508-a61c-f1922275ea0e" providerId="ADAL" clId="{EF3BA0A5-7CA8-47A6-8F4D-4EE2DFC2CA66}" dt="2020-06-15T23:53:59.081" v="1341" actId="14100"/>
+        <pc:sldMkLst>
+          <pc:docMk/>
+          <pc:sldMk cId="381051180" sldId="317"/>
+        </pc:sldMkLst>
+        <pc:spChg chg="del">
+          <ac:chgData name="Sana Elahi" userId="957d28fc-6856-4508-a61c-f1922275ea0e" providerId="ADAL" clId="{EF3BA0A5-7CA8-47A6-8F4D-4EE2DFC2CA66}" dt="2020-06-15T23:39:40.349" v="1033"/>
+          <ac:spMkLst>
+            <pc:docMk/>
+            <pc:sldMk cId="381051180" sldId="317"/>
+            <ac:spMk id="2" creationId="{B99C8D26-9B83-4F5F-BF18-566268C06256}"/>
+          </ac:spMkLst>
+        </pc:spChg>
+        <pc:spChg chg="del">
+          <ac:chgData name="Sana Elahi" userId="957d28fc-6856-4508-a61c-f1922275ea0e" providerId="ADAL" clId="{EF3BA0A5-7CA8-47A6-8F4D-4EE2DFC2CA66}" dt="2020-06-15T23:39:05.716" v="1027" actId="931"/>
+          <ac:spMkLst>
+            <pc:docMk/>
+            <pc:sldMk cId="381051180" sldId="317"/>
+            <ac:spMk id="3" creationId="{6A28A754-C0B7-472D-84EF-38C9B6710BE2}"/>
+          </ac:spMkLst>
+        </pc:spChg>
+        <pc:spChg chg="del">
+          <ac:chgData name="Sana Elahi" userId="957d28fc-6856-4508-a61c-f1922275ea0e" providerId="ADAL" clId="{EF3BA0A5-7CA8-47A6-8F4D-4EE2DFC2CA66}" dt="2020-06-15T23:39:40.349" v="1033"/>
+          <ac:spMkLst>
+            <pc:docMk/>
+            <pc:sldMk cId="381051180" sldId="317"/>
+            <ac:spMk id="4" creationId="{9A320972-26BB-469F-AAFE-B36438E9DDC2}"/>
+          </ac:spMkLst>
+        </pc:spChg>
+        <pc:spChg chg="add mod">
+          <ac:chgData name="Sana Elahi" userId="957d28fc-6856-4508-a61c-f1922275ea0e" providerId="ADAL" clId="{EF3BA0A5-7CA8-47A6-8F4D-4EE2DFC2CA66}" dt="2020-06-15T23:45:06.087" v="1176" actId="20577"/>
+          <ac:spMkLst>
+            <pc:docMk/>
+            <pc:sldMk cId="381051180" sldId="317"/>
+            <ac:spMk id="8" creationId="{48CC6A0F-0D82-4DBF-BFB9-3E9412B638D4}"/>
+          </ac:spMkLst>
+        </pc:spChg>
+        <pc:picChg chg="add mod">
+          <ac:chgData name="Sana Elahi" userId="957d28fc-6856-4508-a61c-f1922275ea0e" providerId="ADAL" clId="{EF3BA0A5-7CA8-47A6-8F4D-4EE2DFC2CA66}" dt="2020-06-15T23:53:59.081" v="1341" actId="14100"/>
+          <ac:picMkLst>
+            <pc:docMk/>
+            <pc:sldMk cId="381051180" sldId="317"/>
+            <ac:picMk id="7" creationId="{F23B9E8E-A074-4A1C-9238-9B377DCCE59C}"/>
+          </ac:picMkLst>
+        </pc:picChg>
+      </pc:sldChg>
+    </pc:docChg>
+  </pc:docChgLst>
+</pc:chgInfo>
+</file>
+
+<file path=ppt/comments/comment1.xml><?xml version="1.0" encoding="utf-8"?>
+<p:cmLst xmlns:a="http://schemas.openxmlformats.org/drawingml/2006/main" xmlns:r="http://schemas.openxmlformats.org/officeDocument/2006/relationships" xmlns:p="http://schemas.openxmlformats.org/presentationml/2006/main">
+  <p:cm authorId="1" dt="2020-06-15T19:53:07.276" idx="2">
+    <p:pos x="10" y="10"/>
+    <p:text/>
+    <p:extLst>
+      <p:ext uri="{C676402C-5697-4E1C-873F-D02D1690AC5C}">
+        <p15:threadingInfo xmlns:p15="http://schemas.microsoft.com/office/powerpoint/2012/main" timeZoneBias="240"/>
+      </p:ext>
+    </p:extLst>
+  </p:cm>
+</p:cmLst>
 </file>
 
 <file path=ppt/diagrams/colors1.xml><?xml version="1.0" encoding="utf-8"?>
@@ -11339,7 +11708,7 @@
           <a:p>
             <a:fld id="{CE18CD78-0727-4E59-8DC5-77E825CD074D}" type="datetimeFigureOut">
               <a:rPr lang="en-US" smtClean="0"/>
-              <a:t>2/24/2020</a:t>
+              <a:t>6/15/2020</a:t>
             </a:fld>
             <a:endParaRPr lang="en-US"/>
           </a:p>
@@ -11753,7 +12122,7 @@
           <a:p>
             <a:fld id="{41EE8611-A651-4149-87AB-284BA6E7A909}" type="datetime1">
               <a:rPr lang="en-US" smtClean="0"/>
-              <a:t>2/24/2020</a:t>
+              <a:t>6/15/2020</a:t>
             </a:fld>
             <a:endParaRPr lang="en-US"/>
           </a:p>
@@ -11956,7 +12325,7 @@
           <a:p>
             <a:fld id="{287A6877-944E-4106-A636-12A3BCA8DFA8}" type="datetime1">
               <a:rPr lang="en-US" smtClean="0"/>
-              <a:t>2/24/2020</a:t>
+              <a:t>6/15/2020</a:t>
             </a:fld>
             <a:endParaRPr lang="en-US"/>
           </a:p>
@@ -12165,7 +12534,7 @@
           <a:p>
             <a:fld id="{287A6877-944E-4106-A636-12A3BCA8DFA8}" type="datetime1">
               <a:rPr lang="en-US" smtClean="0"/>
-              <a:t>2/24/2020</a:t>
+              <a:t>6/15/2020</a:t>
             </a:fld>
             <a:endParaRPr lang="en-US"/>
           </a:p>
@@ -12353,7 +12722,7 @@
           <a:p>
             <a:fld id="{287A6877-944E-4106-A636-12A3BCA8DFA8}" type="datetime1">
               <a:rPr lang="en-US" smtClean="0"/>
-              <a:t>2/24/2020</a:t>
+              <a:t>6/15/2020</a:t>
             </a:fld>
             <a:endParaRPr lang="en-US"/>
           </a:p>
@@ -12900,7 +13269,7 @@
           <a:p>
             <a:fld id="{287A6877-944E-4106-A636-12A3BCA8DFA8}" type="datetime1">
               <a:rPr lang="en-US" smtClean="0"/>
-              <a:t>2/24/2020</a:t>
+              <a:t>6/15/2020</a:t>
             </a:fld>
             <a:endParaRPr lang="en-US"/>
           </a:p>
@@ -13087,7 +13456,7 @@
           <a:p>
             <a:fld id="{287A6877-944E-4106-A636-12A3BCA8DFA8}" type="datetime1">
               <a:rPr lang="en-US" smtClean="0"/>
-              <a:t>2/24/2020</a:t>
+              <a:t>6/15/2020</a:t>
             </a:fld>
             <a:endParaRPr lang="en-US"/>
           </a:p>
@@ -13363,7 +13732,7 @@
           <a:p>
             <a:fld id="{8781108C-BDF0-457E-96E8-FAFF6C4F082A}" type="datetime1">
               <a:rPr lang="en-US" smtClean="0"/>
-              <a:t>2/24/2020</a:t>
+              <a:t>6/15/2020</a:t>
             </a:fld>
             <a:endParaRPr lang="en-US"/>
           </a:p>
@@ -13628,7 +13997,7 @@
           <a:p>
             <a:fld id="{287A6877-944E-4106-A636-12A3BCA8DFA8}" type="datetime1">
               <a:rPr lang="en-US" smtClean="0"/>
-              <a:t>2/24/2020</a:t>
+              <a:t>6/15/2020</a:t>
             </a:fld>
             <a:endParaRPr lang="en-US"/>
           </a:p>
@@ -14041,7 +14410,7 @@
           <a:p>
             <a:fld id="{287A6877-944E-4106-A636-12A3BCA8DFA8}" type="datetime1">
               <a:rPr lang="en-US" smtClean="0"/>
-              <a:t>2/24/2020</a:t>
+              <a:t>6/15/2020</a:t>
             </a:fld>
             <a:endParaRPr lang="en-US"/>
           </a:p>
@@ -14183,7 +14552,7 @@
           <a:p>
             <a:fld id="{1AB0C280-1237-43FD-B5FD-0D518887BCDE}" type="datetime1">
               <a:rPr lang="en-US" smtClean="0"/>
-              <a:t>2/24/2020</a:t>
+              <a:t>6/15/2020</a:t>
             </a:fld>
             <a:endParaRPr lang="en-US"/>
           </a:p>
@@ -14296,7 +14665,7 @@
           <a:p>
             <a:fld id="{F604843D-B900-4D1C-A5B9-DEF8B6803C42}" type="datetime1">
               <a:rPr lang="en-US" smtClean="0"/>
-              <a:t>2/24/2020</a:t>
+              <a:t>6/15/2020</a:t>
             </a:fld>
             <a:endParaRPr lang="en-US"/>
           </a:p>
@@ -14612,7 +14981,7 @@
           <a:p>
             <a:fld id="{287A6877-944E-4106-A636-12A3BCA8DFA8}" type="datetime1">
               <a:rPr lang="en-US" smtClean="0"/>
-              <a:t>2/24/2020</a:t>
+              <a:t>6/15/2020</a:t>
             </a:fld>
             <a:endParaRPr lang="en-US"/>
           </a:p>
@@ -14901,7 +15270,7 @@
           <a:p>
             <a:fld id="{4C38CDF8-8721-480C-92AC-F3AF90708938}" type="datetime1">
               <a:rPr lang="en-US" smtClean="0"/>
-              <a:t>2/24/2020</a:t>
+              <a:t>6/15/2020</a:t>
             </a:fld>
             <a:endParaRPr lang="en-US"/>
           </a:p>
@@ -15142,7 +15511,7 @@
           <a:p>
             <a:fld id="{287A6877-944E-4106-A636-12A3BCA8DFA8}" type="datetime1">
               <a:rPr lang="en-US" smtClean="0"/>
-              <a:t>2/24/2020</a:t>
+              <a:t>6/15/2020</a:t>
             </a:fld>
             <a:endParaRPr lang="en-US"/>
           </a:p>
@@ -21679,6 +22048,1149 @@
       </p:grpSpPr>
       <p:sp>
         <p:nvSpPr>
+          <p:cNvPr id="6" name="Title 5">
+            <a:extLst>
+              <a:ext uri="{FF2B5EF4-FFF2-40B4-BE49-F238E27FC236}">
+                <a16:creationId xmlns:a16="http://schemas.microsoft.com/office/drawing/2014/main" id="{58875946-8630-4671-97E1-C51F7AA9BEE1}"/>
+              </a:ext>
+            </a:extLst>
+          </p:cNvPr>
+          <p:cNvSpPr>
+            <a:spLocks noGrp="1"/>
+          </p:cNvSpPr>
+          <p:nvPr>
+            <p:ph type="title"/>
+          </p:nvPr>
+        </p:nvSpPr>
+        <p:spPr>
+          <a:xfrm>
+            <a:off x="501460" y="210312"/>
+            <a:ext cx="3932237" cy="1161288"/>
+          </a:xfrm>
+        </p:spPr>
+        <p:txBody>
+          <a:bodyPr>
+            <a:noAutofit/>
+          </a:bodyPr>
+          <a:lstStyle/>
+          <a:p>
+            <a:r>
+              <a:rPr lang="en-US" sz="2400" b="1" dirty="0"/>
+              <a:t>Syncing with the updated online repository: </a:t>
+            </a:r>
+            <a:r>
+              <a:rPr lang="en-US" sz="2400" b="1" dirty="0" err="1"/>
+              <a:t>Microsimulation_Poland</a:t>
+            </a:r>
+            <a:endParaRPr lang="en-US" sz="2400" b="1" dirty="0"/>
+          </a:p>
+        </p:txBody>
+      </p:sp>
+      <p:pic>
+        <p:nvPicPr>
+          <p:cNvPr id="10" name="Content Placeholder 9" descr="A screenshot of a cell phone&#10;&#10;Description automatically generated">
+            <a:extLst>
+              <a:ext uri="{FF2B5EF4-FFF2-40B4-BE49-F238E27FC236}">
+                <a16:creationId xmlns:a16="http://schemas.microsoft.com/office/drawing/2014/main" id="{5E1AE2C7-56E1-47DA-9C77-3EBDD4D19376}"/>
+              </a:ext>
+            </a:extLst>
+          </p:cNvPr>
+          <p:cNvPicPr>
+            <a:picLocks noGrp="1" noChangeAspect="1"/>
+          </p:cNvPicPr>
+          <p:nvPr>
+            <p:ph idx="1"/>
+          </p:nvPr>
+        </p:nvPicPr>
+        <p:blipFill>
+          <a:blip r:embed="rId2">
+            <a:extLst>
+              <a:ext uri="{28A0092B-C50C-407E-A947-70E740481C1C}">
+                <a14:useLocalDpi xmlns:a14="http://schemas.microsoft.com/office/drawing/2010/main" val="0"/>
+              </a:ext>
+            </a:extLst>
+          </a:blip>
+          <a:stretch>
+            <a:fillRect/>
+          </a:stretch>
+        </p:blipFill>
+        <p:spPr>
+          <a:xfrm>
+            <a:off x="4772025" y="790956"/>
+            <a:ext cx="6996303" cy="4782312"/>
+          </a:xfrm>
+        </p:spPr>
+      </p:pic>
+      <p:sp>
+        <p:nvSpPr>
+          <p:cNvPr id="8" name="Text Placeholder 7">
+            <a:extLst>
+              <a:ext uri="{FF2B5EF4-FFF2-40B4-BE49-F238E27FC236}">
+                <a16:creationId xmlns:a16="http://schemas.microsoft.com/office/drawing/2014/main" id="{24992C9B-92AD-4E9B-AD51-ED4B98EAC924}"/>
+              </a:ext>
+            </a:extLst>
+          </p:cNvPr>
+          <p:cNvSpPr>
+            <a:spLocks noGrp="1"/>
+          </p:cNvSpPr>
+          <p:nvPr>
+            <p:ph type="body" sz="half" idx="2"/>
+          </p:nvPr>
+        </p:nvSpPr>
+        <p:spPr>
+          <a:xfrm>
+            <a:off x="501460" y="1581912"/>
+            <a:ext cx="4270565" cy="3991356"/>
+          </a:xfrm>
+        </p:spPr>
+        <p:txBody>
+          <a:bodyPr/>
+          <a:lstStyle/>
+          <a:p>
+            <a:pPr marL="342900" indent="-342900">
+              <a:buFont typeface="Arial" panose="020B0604020202020204" pitchFamily="34" charset="0"/>
+              <a:buChar char="•"/>
+            </a:pPr>
+            <a:r>
+              <a:rPr lang="en-US" sz="2000" dirty="0"/>
+              <a:t>Go to Anaconda Prompt, type the following commands to sync your local repository with your online one:</a:t>
+            </a:r>
+          </a:p>
+          <a:p>
+            <a:pPr marL="800100" lvl="1" indent="-342900">
+              <a:buFont typeface="Arial" panose="020B0604020202020204" pitchFamily="34" charset="0"/>
+              <a:buChar char="•"/>
+            </a:pPr>
+            <a:r>
+              <a:rPr lang="en-US" sz="2000" dirty="0">
+                <a:solidFill>
+                  <a:schemeClr val="accent1"/>
+                </a:solidFill>
+              </a:rPr>
+              <a:t>cd</a:t>
+            </a:r>
+            <a:r>
+              <a:rPr lang="en-US" sz="2000" dirty="0"/>
+              <a:t> </a:t>
+            </a:r>
+            <a:r>
+              <a:rPr lang="en-US" sz="2000" b="1" dirty="0">
+                <a:solidFill>
+                  <a:srgbClr val="FF0000"/>
+                </a:solidFill>
+              </a:rPr>
+              <a:t>path/address </a:t>
+            </a:r>
+            <a:r>
+              <a:rPr lang="en-US" sz="2000" dirty="0"/>
+              <a:t>of the folder on your computer</a:t>
+            </a:r>
+          </a:p>
+          <a:p>
+            <a:pPr marL="800100" lvl="1" indent="-342900">
+              <a:buFont typeface="Arial" panose="020B0604020202020204" pitchFamily="34" charset="0"/>
+              <a:buChar char="•"/>
+            </a:pPr>
+            <a:r>
+              <a:rPr lang="en-US" sz="2000" dirty="0">
+                <a:solidFill>
+                  <a:schemeClr val="accent1"/>
+                </a:solidFill>
+              </a:rPr>
+              <a:t>git branch</a:t>
+            </a:r>
+          </a:p>
+          <a:p>
+            <a:pPr marL="800100" lvl="1" indent="-342900">
+              <a:buFont typeface="Arial" panose="020B0604020202020204" pitchFamily="34" charset="0"/>
+              <a:buChar char="•"/>
+            </a:pPr>
+            <a:r>
+              <a:rPr lang="en-US" sz="2000" dirty="0"/>
+              <a:t>If your on master branch, type </a:t>
+            </a:r>
+            <a:r>
+              <a:rPr lang="en-US" sz="2000" dirty="0" err="1">
+                <a:solidFill>
+                  <a:schemeClr val="accent1"/>
+                </a:solidFill>
+              </a:rPr>
+              <a:t>gitsync</a:t>
+            </a:r>
+            <a:r>
+              <a:rPr lang="en-US" sz="2000" dirty="0"/>
+              <a:t>              </a:t>
+            </a:r>
+          </a:p>
+          <a:p>
+            <a:endParaRPr lang="en-US" dirty="0"/>
+          </a:p>
+        </p:txBody>
+      </p:sp>
+      <p:sp>
+        <p:nvSpPr>
+          <p:cNvPr id="5" name="Slide Number Placeholder 4">
+            <a:extLst>
+              <a:ext uri="{FF2B5EF4-FFF2-40B4-BE49-F238E27FC236}">
+                <a16:creationId xmlns:a16="http://schemas.microsoft.com/office/drawing/2014/main" id="{22474D9F-62DC-4E69-B80E-419434808C0E}"/>
+              </a:ext>
+            </a:extLst>
+          </p:cNvPr>
+          <p:cNvSpPr>
+            <a:spLocks noGrp="1"/>
+          </p:cNvSpPr>
+          <p:nvPr>
+            <p:ph type="sldNum" sz="quarter" idx="12"/>
+          </p:nvPr>
+        </p:nvSpPr>
+        <p:spPr>
+          <a:xfrm>
+            <a:off x="8610600" y="6356350"/>
+            <a:ext cx="2743200" cy="365125"/>
+          </a:xfrm>
+        </p:spPr>
+        <p:txBody>
+          <a:bodyPr/>
+          <a:lstStyle/>
+          <a:p>
+            <a:fld id="{52C44A77-5F5E-4CB9-8D56-F5EB4797E63D}" type="slidenum">
+              <a:rPr lang="en-US" smtClean="0"/>
+              <a:t>36</a:t>
+            </a:fld>
+            <a:endParaRPr lang="en-US"/>
+          </a:p>
+        </p:txBody>
+      </p:sp>
+    </p:spTree>
+    <p:extLst>
+      <p:ext uri="{BB962C8B-B14F-4D97-AF65-F5344CB8AC3E}">
+        <p14:creationId xmlns:p14="http://schemas.microsoft.com/office/powerpoint/2010/main" val="4013160048"/>
+      </p:ext>
+    </p:extLst>
+  </p:cSld>
+  <p:clrMapOvr>
+    <a:masterClrMapping/>
+  </p:clrMapOvr>
+</p:sld>
+</file>
+
+<file path=ppt/slides/slide37.xml><?xml version="1.0" encoding="utf-8"?>
+<p:sld xmlns:a="http://schemas.openxmlformats.org/drawingml/2006/main" xmlns:r="http://schemas.openxmlformats.org/officeDocument/2006/relationships" xmlns:p="http://schemas.openxmlformats.org/presentationml/2006/main">
+  <p:cSld>
+    <p:spTree>
+      <p:nvGrpSpPr>
+        <p:cNvPr id="1" name=""/>
+        <p:cNvGrpSpPr/>
+        <p:nvPr/>
+      </p:nvGrpSpPr>
+      <p:grpSpPr>
+        <a:xfrm>
+          <a:off x="0" y="0"/>
+          <a:ext cx="0" cy="0"/>
+          <a:chOff x="0" y="0"/>
+          <a:chExt cx="0" cy="0"/>
+        </a:xfrm>
+      </p:grpSpPr>
+      <p:sp>
+        <p:nvSpPr>
+          <p:cNvPr id="6" name="Title 5">
+            <a:extLst>
+              <a:ext uri="{FF2B5EF4-FFF2-40B4-BE49-F238E27FC236}">
+                <a16:creationId xmlns:a16="http://schemas.microsoft.com/office/drawing/2014/main" id="{F6675E77-1DA1-4E07-9E77-F418E8FB2A27}"/>
+              </a:ext>
+            </a:extLst>
+          </p:cNvPr>
+          <p:cNvSpPr>
+            <a:spLocks noGrp="1"/>
+          </p:cNvSpPr>
+          <p:nvPr>
+            <p:ph type="title"/>
+          </p:nvPr>
+        </p:nvSpPr>
+        <p:spPr>
+          <a:xfrm>
+            <a:off x="839788" y="457200"/>
+            <a:ext cx="3932237" cy="877824"/>
+          </a:xfrm>
+        </p:spPr>
+        <p:txBody>
+          <a:bodyPr>
+            <a:normAutofit/>
+          </a:bodyPr>
+          <a:lstStyle/>
+          <a:p>
+            <a:r>
+              <a:rPr lang="en-US" sz="2400" b="1" dirty="0"/>
+              <a:t>New Jason file is added with policy exemptions </a:t>
+            </a:r>
+          </a:p>
+        </p:txBody>
+      </p:sp>
+      <p:pic>
+        <p:nvPicPr>
+          <p:cNvPr id="11" name="Picture Placeholder 10" descr="A screenshot of a computer&#10;&#10;Description automatically generated">
+            <a:extLst>
+              <a:ext uri="{FF2B5EF4-FFF2-40B4-BE49-F238E27FC236}">
+                <a16:creationId xmlns:a16="http://schemas.microsoft.com/office/drawing/2014/main" id="{81F407E7-8BF5-45BE-89B9-E4899EF7FDA4}"/>
+              </a:ext>
+            </a:extLst>
+          </p:cNvPr>
+          <p:cNvPicPr>
+            <a:picLocks noGrp="1" noChangeAspect="1"/>
+          </p:cNvPicPr>
+          <p:nvPr>
+            <p:ph type="pic" idx="1"/>
+          </p:nvPr>
+        </p:nvPicPr>
+        <p:blipFill>
+          <a:blip r:embed="rId2">
+            <a:extLst>
+              <a:ext uri="{28A0092B-C50C-407E-A947-70E740481C1C}">
+                <a14:useLocalDpi xmlns:a14="http://schemas.microsoft.com/office/drawing/2010/main" val="0"/>
+              </a:ext>
+            </a:extLst>
+          </a:blip>
+          <a:srcRect l="16270" r="16270"/>
+          <a:stretch>
+            <a:fillRect/>
+          </a:stretch>
+        </p:blipFill>
+        <p:spPr>
+          <a:xfrm>
+            <a:off x="4910328" y="457200"/>
+            <a:ext cx="6766560" cy="5522975"/>
+          </a:xfrm>
+        </p:spPr>
+      </p:pic>
+      <p:sp>
+        <p:nvSpPr>
+          <p:cNvPr id="9" name="Text Placeholder 8">
+            <a:extLst>
+              <a:ext uri="{FF2B5EF4-FFF2-40B4-BE49-F238E27FC236}">
+                <a16:creationId xmlns:a16="http://schemas.microsoft.com/office/drawing/2014/main" id="{59C6D6FB-4B17-4187-B3F0-92A59746299D}"/>
+              </a:ext>
+            </a:extLst>
+          </p:cNvPr>
+          <p:cNvSpPr>
+            <a:spLocks noGrp="1"/>
+          </p:cNvSpPr>
+          <p:nvPr>
+            <p:ph type="body" sz="half" idx="2"/>
+          </p:nvPr>
+        </p:nvSpPr>
+        <p:spPr>
+          <a:xfrm>
+            <a:off x="713232" y="1755648"/>
+            <a:ext cx="4058793" cy="4113340"/>
+          </a:xfrm>
+        </p:spPr>
+        <p:txBody>
+          <a:bodyPr>
+            <a:normAutofit/>
+          </a:bodyPr>
+          <a:lstStyle/>
+          <a:p>
+            <a:pPr marL="285750" indent="-285750">
+              <a:buFont typeface="Arial" panose="020B0604020202020204" pitchFamily="34" charset="0"/>
+              <a:buChar char="•"/>
+            </a:pPr>
+            <a:r>
+              <a:rPr lang="en-US" sz="2000" dirty="0"/>
+              <a:t>Policy reforms are added together in the file </a:t>
+            </a:r>
+            <a:r>
+              <a:rPr lang="en-US" sz="2000" dirty="0" err="1"/>
+              <a:t>tax_incentives_benchmark.json</a:t>
+            </a:r>
+            <a:endParaRPr lang="en-US" sz="2000" dirty="0"/>
+          </a:p>
+          <a:p>
+            <a:pPr marL="285750" indent="-285750">
+              <a:buFont typeface="Arial" panose="020B0604020202020204" pitchFamily="34" charset="0"/>
+              <a:buChar char="•"/>
+            </a:pPr>
+            <a:r>
+              <a:rPr lang="en-US" sz="2000" dirty="0"/>
+              <a:t>The reforms are run one by one and the CIT expenditures are calculated in the app_tax_expenditures.py file and printed out and saved in a </a:t>
+            </a:r>
+            <a:r>
+              <a:rPr lang="en-US" sz="2000" b="1" dirty="0"/>
+              <a:t>csv</a:t>
+            </a:r>
+            <a:r>
+              <a:rPr lang="en-US" sz="2000" dirty="0"/>
+              <a:t> file.</a:t>
+            </a:r>
+          </a:p>
+          <a:p>
+            <a:pPr marL="285750" indent="-285750">
+              <a:buFont typeface="Arial" panose="020B0604020202020204" pitchFamily="34" charset="0"/>
+              <a:buChar char="•"/>
+            </a:pPr>
+            <a:endParaRPr lang="en-US" sz="2000" dirty="0"/>
+          </a:p>
+        </p:txBody>
+      </p:sp>
+      <p:sp>
+        <p:nvSpPr>
+          <p:cNvPr id="5" name="Slide Number Placeholder 4">
+            <a:extLst>
+              <a:ext uri="{FF2B5EF4-FFF2-40B4-BE49-F238E27FC236}">
+                <a16:creationId xmlns:a16="http://schemas.microsoft.com/office/drawing/2014/main" id="{ECCE8930-9CE2-4429-A925-B5BBD6607A74}"/>
+              </a:ext>
+            </a:extLst>
+          </p:cNvPr>
+          <p:cNvSpPr>
+            <a:spLocks noGrp="1"/>
+          </p:cNvSpPr>
+          <p:nvPr>
+            <p:ph type="sldNum" sz="quarter" idx="12"/>
+          </p:nvPr>
+        </p:nvSpPr>
+        <p:spPr/>
+        <p:txBody>
+          <a:bodyPr/>
+          <a:lstStyle/>
+          <a:p>
+            <a:fld id="{52C44A77-5F5E-4CB9-8D56-F5EB4797E63D}" type="slidenum">
+              <a:rPr lang="en-US" smtClean="0"/>
+              <a:t>37</a:t>
+            </a:fld>
+            <a:endParaRPr lang="en-US"/>
+          </a:p>
+        </p:txBody>
+      </p:sp>
+      <p:sp>
+        <p:nvSpPr>
+          <p:cNvPr id="12" name="Oval 11">
+            <a:extLst>
+              <a:ext uri="{FF2B5EF4-FFF2-40B4-BE49-F238E27FC236}">
+                <a16:creationId xmlns:a16="http://schemas.microsoft.com/office/drawing/2014/main" id="{D7EF3378-60A5-4ABC-AB57-0EB60B5F76B5}"/>
+              </a:ext>
+            </a:extLst>
+          </p:cNvPr>
+          <p:cNvSpPr/>
+          <p:nvPr/>
+        </p:nvSpPr>
+        <p:spPr>
+          <a:xfrm>
+            <a:off x="8513064" y="2496312"/>
+            <a:ext cx="3302127" cy="1463040"/>
+          </a:xfrm>
+          <a:prstGeom prst="ellipse">
+            <a:avLst/>
+          </a:prstGeom>
+          <a:noFill/>
+          <a:ln w="28575"/>
+        </p:spPr>
+        <p:style>
+          <a:lnRef idx="2">
+            <a:schemeClr val="accent2"/>
+          </a:lnRef>
+          <a:fillRef idx="1">
+            <a:schemeClr val="lt1"/>
+          </a:fillRef>
+          <a:effectRef idx="0">
+            <a:schemeClr val="accent2"/>
+          </a:effectRef>
+          <a:fontRef idx="minor">
+            <a:schemeClr val="dk1"/>
+          </a:fontRef>
+        </p:style>
+        <p:txBody>
+          <a:bodyPr rtlCol="0" anchor="ctr"/>
+          <a:lstStyle/>
+          <a:p>
+            <a:pPr algn="ctr"/>
+            <a:endParaRPr lang="en-US"/>
+          </a:p>
+        </p:txBody>
+      </p:sp>
+    </p:spTree>
+    <p:extLst>
+      <p:ext uri="{BB962C8B-B14F-4D97-AF65-F5344CB8AC3E}">
+        <p14:creationId xmlns:p14="http://schemas.microsoft.com/office/powerpoint/2010/main" val="2984958281"/>
+      </p:ext>
+    </p:extLst>
+  </p:cSld>
+  <p:clrMapOvr>
+    <a:masterClrMapping/>
+  </p:clrMapOvr>
+</p:sld>
+</file>
+
+<file path=ppt/slides/slide38.xml><?xml version="1.0" encoding="utf-8"?>
+<p:sld xmlns:a="http://schemas.openxmlformats.org/drawingml/2006/main" xmlns:r="http://schemas.openxmlformats.org/officeDocument/2006/relationships" xmlns:p="http://schemas.openxmlformats.org/presentationml/2006/main">
+  <p:cSld>
+    <p:spTree>
+      <p:nvGrpSpPr>
+        <p:cNvPr id="1" name=""/>
+        <p:cNvGrpSpPr/>
+        <p:nvPr/>
+      </p:nvGrpSpPr>
+      <p:grpSpPr>
+        <a:xfrm>
+          <a:off x="0" y="0"/>
+          <a:ext cx="0" cy="0"/>
+          <a:chOff x="0" y="0"/>
+          <a:chExt cx="0" cy="0"/>
+        </a:xfrm>
+      </p:grpSpPr>
+      <p:sp>
+        <p:nvSpPr>
+          <p:cNvPr id="2" name="Title 1">
+            <a:extLst>
+              <a:ext uri="{FF2B5EF4-FFF2-40B4-BE49-F238E27FC236}">
+                <a16:creationId xmlns:a16="http://schemas.microsoft.com/office/drawing/2014/main" id="{1B00EC58-0B97-449E-AC2C-184C35CC4016}"/>
+              </a:ext>
+            </a:extLst>
+          </p:cNvPr>
+          <p:cNvSpPr>
+            <a:spLocks noGrp="1"/>
+          </p:cNvSpPr>
+          <p:nvPr>
+            <p:ph type="title"/>
+          </p:nvPr>
+        </p:nvSpPr>
+        <p:spPr>
+          <a:xfrm>
+            <a:off x="731520" y="265176"/>
+            <a:ext cx="4040505" cy="1133856"/>
+          </a:xfrm>
+        </p:spPr>
+        <p:txBody>
+          <a:bodyPr>
+            <a:noAutofit/>
+          </a:bodyPr>
+          <a:lstStyle/>
+          <a:p>
+            <a:r>
+              <a:rPr lang="en-US" sz="2400" b="1" dirty="0"/>
+              <a:t>Variables &amp; functions are added, changes are made to the following files</a:t>
+            </a:r>
+          </a:p>
+        </p:txBody>
+      </p:sp>
+      <p:pic>
+        <p:nvPicPr>
+          <p:cNvPr id="7" name="Content Placeholder 6" descr="A screenshot of a map&#10;&#10;Description automatically generated">
+            <a:extLst>
+              <a:ext uri="{FF2B5EF4-FFF2-40B4-BE49-F238E27FC236}">
+                <a16:creationId xmlns:a16="http://schemas.microsoft.com/office/drawing/2014/main" id="{D8C6BD92-A3E9-4555-A10C-ABC2C6F286A1}"/>
+              </a:ext>
+            </a:extLst>
+          </p:cNvPr>
+          <p:cNvPicPr>
+            <a:picLocks noGrp="1" noChangeAspect="1"/>
+          </p:cNvPicPr>
+          <p:nvPr>
+            <p:ph idx="1"/>
+          </p:nvPr>
+        </p:nvPicPr>
+        <p:blipFill>
+          <a:blip r:embed="rId2">
+            <a:extLst>
+              <a:ext uri="{28A0092B-C50C-407E-A947-70E740481C1C}">
+                <a14:useLocalDpi xmlns:a14="http://schemas.microsoft.com/office/drawing/2010/main" val="0"/>
+              </a:ext>
+            </a:extLst>
+          </a:blip>
+          <a:stretch>
+            <a:fillRect/>
+          </a:stretch>
+        </p:blipFill>
+        <p:spPr>
+          <a:xfrm>
+            <a:off x="5120640" y="630936"/>
+            <a:ext cx="6409944" cy="4882896"/>
+          </a:xfrm>
+        </p:spPr>
+      </p:pic>
+      <p:sp>
+        <p:nvSpPr>
+          <p:cNvPr id="4" name="Text Placeholder 3">
+            <a:extLst>
+              <a:ext uri="{FF2B5EF4-FFF2-40B4-BE49-F238E27FC236}">
+                <a16:creationId xmlns:a16="http://schemas.microsoft.com/office/drawing/2014/main" id="{291C95CF-2F4A-4824-AEFE-D0BEC1E26234}"/>
+              </a:ext>
+            </a:extLst>
+          </p:cNvPr>
+          <p:cNvSpPr>
+            <a:spLocks noGrp="1"/>
+          </p:cNvSpPr>
+          <p:nvPr>
+            <p:ph type="body" sz="half" idx="2"/>
+          </p:nvPr>
+        </p:nvSpPr>
+        <p:spPr>
+          <a:xfrm>
+            <a:off x="731520" y="1986978"/>
+            <a:ext cx="4040505" cy="4369372"/>
+          </a:xfrm>
+        </p:spPr>
+        <p:txBody>
+          <a:bodyPr>
+            <a:normAutofit/>
+          </a:bodyPr>
+          <a:lstStyle/>
+          <a:p>
+            <a:pPr marL="342900" indent="-342900">
+              <a:buFont typeface="Arial" panose="020B0604020202020204" pitchFamily="34" charset="0"/>
+              <a:buChar char="•"/>
+            </a:pPr>
+            <a:r>
+              <a:rPr lang="en-US" sz="2000" dirty="0"/>
+              <a:t>Corpfunctions.py</a:t>
+            </a:r>
+          </a:p>
+          <a:p>
+            <a:pPr marL="342900" indent="-342900">
+              <a:buFont typeface="Arial" panose="020B0604020202020204" pitchFamily="34" charset="0"/>
+              <a:buChar char="•"/>
+            </a:pPr>
+            <a:r>
+              <a:rPr lang="en-US" sz="2000" dirty="0"/>
+              <a:t>Calculator.py</a:t>
+            </a:r>
+          </a:p>
+          <a:p>
+            <a:pPr marL="342900" indent="-342900">
+              <a:buFont typeface="Arial" panose="020B0604020202020204" pitchFamily="34" charset="0"/>
+              <a:buChar char="•"/>
+            </a:pPr>
+            <a:r>
+              <a:rPr lang="en-US" sz="2000" dirty="0" err="1"/>
+              <a:t>Corprecords_variables_Poland,Jason</a:t>
+            </a:r>
+            <a:endParaRPr lang="en-US" sz="2000" dirty="0"/>
+          </a:p>
+          <a:p>
+            <a:pPr marL="342900" indent="-342900">
+              <a:buFont typeface="Arial" panose="020B0604020202020204" pitchFamily="34" charset="0"/>
+              <a:buChar char="•"/>
+            </a:pPr>
+            <a:r>
+              <a:rPr lang="en-US" sz="2000" dirty="0" err="1"/>
+              <a:t>Current_law_policy_poland</a:t>
+            </a:r>
+            <a:endParaRPr lang="en-US" sz="2000" dirty="0"/>
+          </a:p>
+        </p:txBody>
+      </p:sp>
+      <p:sp>
+        <p:nvSpPr>
+          <p:cNvPr id="5" name="Slide Number Placeholder 4">
+            <a:extLst>
+              <a:ext uri="{FF2B5EF4-FFF2-40B4-BE49-F238E27FC236}">
+                <a16:creationId xmlns:a16="http://schemas.microsoft.com/office/drawing/2014/main" id="{62FF7CA4-B4C1-4861-B0F7-6C647B3FBFB1}"/>
+              </a:ext>
+            </a:extLst>
+          </p:cNvPr>
+          <p:cNvSpPr>
+            <a:spLocks noGrp="1"/>
+          </p:cNvSpPr>
+          <p:nvPr>
+            <p:ph type="sldNum" sz="quarter" idx="12"/>
+          </p:nvPr>
+        </p:nvSpPr>
+        <p:spPr/>
+        <p:txBody>
+          <a:bodyPr/>
+          <a:lstStyle/>
+          <a:p>
+            <a:fld id="{52C44A77-5F5E-4CB9-8D56-F5EB4797E63D}" type="slidenum">
+              <a:rPr lang="en-US" smtClean="0"/>
+              <a:t>38</a:t>
+            </a:fld>
+            <a:endParaRPr lang="en-US"/>
+          </a:p>
+        </p:txBody>
+      </p:sp>
+      <p:sp>
+        <p:nvSpPr>
+          <p:cNvPr id="8" name="Oval 7">
+            <a:extLst>
+              <a:ext uri="{FF2B5EF4-FFF2-40B4-BE49-F238E27FC236}">
+                <a16:creationId xmlns:a16="http://schemas.microsoft.com/office/drawing/2014/main" id="{63F02FE1-9BFF-48A6-8CAF-84239EB7A65A}"/>
+              </a:ext>
+            </a:extLst>
+          </p:cNvPr>
+          <p:cNvSpPr/>
+          <p:nvPr/>
+        </p:nvSpPr>
+        <p:spPr>
+          <a:xfrm>
+            <a:off x="5266944" y="1216152"/>
+            <a:ext cx="4059936" cy="1837944"/>
+          </a:xfrm>
+          <a:prstGeom prst="ellipse">
+            <a:avLst/>
+          </a:prstGeom>
+          <a:noFill/>
+        </p:spPr>
+        <p:style>
+          <a:lnRef idx="2">
+            <a:schemeClr val="accent2"/>
+          </a:lnRef>
+          <a:fillRef idx="1">
+            <a:schemeClr val="lt1"/>
+          </a:fillRef>
+          <a:effectRef idx="0">
+            <a:schemeClr val="accent2"/>
+          </a:effectRef>
+          <a:fontRef idx="minor">
+            <a:schemeClr val="dk1"/>
+          </a:fontRef>
+        </p:style>
+        <p:txBody>
+          <a:bodyPr rtlCol="0" anchor="ctr"/>
+          <a:lstStyle/>
+          <a:p>
+            <a:pPr algn="ctr"/>
+            <a:endParaRPr lang="en-US"/>
+          </a:p>
+        </p:txBody>
+      </p:sp>
+    </p:spTree>
+    <p:extLst>
+      <p:ext uri="{BB962C8B-B14F-4D97-AF65-F5344CB8AC3E}">
+        <p14:creationId xmlns:p14="http://schemas.microsoft.com/office/powerpoint/2010/main" val="2356277649"/>
+      </p:ext>
+    </p:extLst>
+  </p:cSld>
+  <p:clrMapOvr>
+    <a:masterClrMapping/>
+  </p:clrMapOvr>
+</p:sld>
+</file>
+
+<file path=ppt/slides/slide39.xml><?xml version="1.0" encoding="utf-8"?>
+<p:sld xmlns:a="http://schemas.openxmlformats.org/drawingml/2006/main" xmlns:r="http://schemas.openxmlformats.org/officeDocument/2006/relationships" xmlns:p="http://schemas.openxmlformats.org/presentationml/2006/main">
+  <p:cSld>
+    <p:spTree>
+      <p:nvGrpSpPr>
+        <p:cNvPr id="1" name=""/>
+        <p:cNvGrpSpPr/>
+        <p:nvPr/>
+      </p:nvGrpSpPr>
+      <p:grpSpPr>
+        <a:xfrm>
+          <a:off x="0" y="0"/>
+          <a:ext cx="0" cy="0"/>
+          <a:chOff x="0" y="0"/>
+          <a:chExt cx="0" cy="0"/>
+        </a:xfrm>
+      </p:grpSpPr>
+      <p:sp>
+        <p:nvSpPr>
+          <p:cNvPr id="8" name="Title 7">
+            <a:extLst>
+              <a:ext uri="{FF2B5EF4-FFF2-40B4-BE49-F238E27FC236}">
+                <a16:creationId xmlns:a16="http://schemas.microsoft.com/office/drawing/2014/main" id="{48CC6A0F-0D82-4DBF-BFB9-3E9412B638D4}"/>
+              </a:ext>
+            </a:extLst>
+          </p:cNvPr>
+          <p:cNvSpPr>
+            <a:spLocks noGrp="1"/>
+          </p:cNvSpPr>
+          <p:nvPr>
+            <p:ph type="title"/>
+          </p:nvPr>
+        </p:nvSpPr>
+        <p:spPr>
+          <a:xfrm>
+            <a:off x="838200" y="365125"/>
+            <a:ext cx="8982456" cy="750443"/>
+          </a:xfrm>
+        </p:spPr>
+        <p:txBody>
+          <a:bodyPr>
+            <a:normAutofit/>
+          </a:bodyPr>
+          <a:lstStyle/>
+          <a:p>
+            <a:pPr algn="ctr"/>
+            <a:r>
+              <a:rPr lang="en-US" sz="2400" b="1" dirty="0"/>
+              <a:t>Results/Output </a:t>
+            </a:r>
+          </a:p>
+        </p:txBody>
+      </p:sp>
+      <p:pic>
+        <p:nvPicPr>
+          <p:cNvPr id="7" name="Content Placeholder 6" descr="A screenshot of a computer&#10;&#10;Description automatically generated">
+            <a:extLst>
+              <a:ext uri="{FF2B5EF4-FFF2-40B4-BE49-F238E27FC236}">
+                <a16:creationId xmlns:a16="http://schemas.microsoft.com/office/drawing/2014/main" id="{F23B9E8E-A074-4A1C-9238-9B377DCCE59C}"/>
+              </a:ext>
+            </a:extLst>
+          </p:cNvPr>
+          <p:cNvPicPr>
+            <a:picLocks noGrp="1" noChangeAspect="1"/>
+          </p:cNvPicPr>
+          <p:nvPr>
+            <p:ph sz="quarter" idx="13"/>
+          </p:nvPr>
+        </p:nvPicPr>
+        <p:blipFill>
+          <a:blip r:embed="rId2">
+            <a:extLst>
+              <a:ext uri="{28A0092B-C50C-407E-A947-70E740481C1C}">
+                <a14:useLocalDpi xmlns:a14="http://schemas.microsoft.com/office/drawing/2010/main" val="0"/>
+              </a:ext>
+            </a:extLst>
+          </a:blip>
+          <a:stretch>
+            <a:fillRect/>
+          </a:stretch>
+        </p:blipFill>
+        <p:spPr>
+          <a:xfrm>
+            <a:off x="838200" y="1234440"/>
+            <a:ext cx="9622536" cy="5121909"/>
+          </a:xfrm>
+        </p:spPr>
+      </p:pic>
+      <p:sp>
+        <p:nvSpPr>
+          <p:cNvPr id="5" name="Slide Number Placeholder 4">
+            <a:extLst>
+              <a:ext uri="{FF2B5EF4-FFF2-40B4-BE49-F238E27FC236}">
+                <a16:creationId xmlns:a16="http://schemas.microsoft.com/office/drawing/2014/main" id="{B8561A0C-30C2-4B32-B957-3DF0067A3B64}"/>
+              </a:ext>
+            </a:extLst>
+          </p:cNvPr>
+          <p:cNvSpPr>
+            <a:spLocks noGrp="1"/>
+          </p:cNvSpPr>
+          <p:nvPr>
+            <p:ph type="sldNum" sz="quarter" idx="12"/>
+          </p:nvPr>
+        </p:nvSpPr>
+        <p:spPr/>
+        <p:txBody>
+          <a:bodyPr/>
+          <a:lstStyle/>
+          <a:p>
+            <a:fld id="{52C44A77-5F5E-4CB9-8D56-F5EB4797E63D}" type="slidenum">
+              <a:rPr lang="en-US" smtClean="0"/>
+              <a:t>39</a:t>
+            </a:fld>
+            <a:endParaRPr lang="en-US"/>
+          </a:p>
+        </p:txBody>
+      </p:sp>
+    </p:spTree>
+    <p:extLst>
+      <p:ext uri="{BB962C8B-B14F-4D97-AF65-F5344CB8AC3E}">
+        <p14:creationId xmlns:p14="http://schemas.microsoft.com/office/powerpoint/2010/main" val="381051180"/>
+      </p:ext>
+    </p:extLst>
+  </p:cSld>
+  <p:clrMapOvr>
+    <a:masterClrMapping/>
+  </p:clrMapOvr>
+</p:sld>
+</file>
+
+<file path=ppt/slides/slide4.xml><?xml version="1.0" encoding="utf-8"?>
+<p:sld xmlns:a="http://schemas.openxmlformats.org/drawingml/2006/main" xmlns:r="http://schemas.openxmlformats.org/officeDocument/2006/relationships" xmlns:p="http://schemas.openxmlformats.org/presentationml/2006/main">
+  <p:cSld>
+    <p:bg>
+      <p:bgPr>
+        <a:solidFill>
+          <a:schemeClr val="bg1"/>
+        </a:solidFill>
+        <a:effectLst/>
+      </p:bgPr>
+    </p:bg>
+    <p:spTree>
+      <p:nvGrpSpPr>
+        <p:cNvPr id="1" name=""/>
+        <p:cNvGrpSpPr/>
+        <p:nvPr/>
+      </p:nvGrpSpPr>
+      <p:grpSpPr>
+        <a:xfrm>
+          <a:off x="0" y="0"/>
+          <a:ext cx="0" cy="0"/>
+          <a:chOff x="0" y="0"/>
+          <a:chExt cx="0" cy="0"/>
+        </a:xfrm>
+      </p:grpSpPr>
+      <p:sp>
+        <p:nvSpPr>
+          <p:cNvPr id="2" name="Title 1">
+            <a:extLst>
+              <a:ext uri="{FF2B5EF4-FFF2-40B4-BE49-F238E27FC236}">
+                <a16:creationId xmlns:a16="http://schemas.microsoft.com/office/drawing/2014/main" id="{06D5549D-75DA-4CC8-816A-FEDB28FD56A1}"/>
+              </a:ext>
+            </a:extLst>
+          </p:cNvPr>
+          <p:cNvSpPr>
+            <a:spLocks noGrp="1"/>
+          </p:cNvSpPr>
+          <p:nvPr>
+            <p:ph type="title"/>
+          </p:nvPr>
+        </p:nvSpPr>
+        <p:spPr>
+          <a:xfrm>
+            <a:off x="2662518" y="188258"/>
+            <a:ext cx="7117975" cy="485489"/>
+          </a:xfrm>
+        </p:spPr>
+        <p:txBody>
+          <a:bodyPr>
+            <a:normAutofit fontScale="90000"/>
+          </a:bodyPr>
+          <a:lstStyle/>
+          <a:p>
+            <a:pPr algn="ctr"/>
+            <a:br>
+              <a:rPr lang="en-US" sz="3600" dirty="0"/>
+            </a:br>
+            <a:r>
+              <a:rPr lang="en-US" sz="3600" dirty="0"/>
+              <a:t>What Are The Key Inputs To The Model?</a:t>
+            </a:r>
+            <a:br>
+              <a:rPr lang="en-US" sz="2000" dirty="0"/>
+            </a:br>
+            <a:endParaRPr lang="en-US" sz="2000" dirty="0"/>
+          </a:p>
+        </p:txBody>
+      </p:sp>
+      <p:sp>
+        <p:nvSpPr>
+          <p:cNvPr id="3" name="Content Placeholder 2">
+            <a:extLst>
+              <a:ext uri="{FF2B5EF4-FFF2-40B4-BE49-F238E27FC236}">
+                <a16:creationId xmlns:a16="http://schemas.microsoft.com/office/drawing/2014/main" id="{F4506083-C3B1-47B8-A7F6-BD4013761D40}"/>
+              </a:ext>
+            </a:extLst>
+          </p:cNvPr>
+          <p:cNvSpPr>
+            <a:spLocks noGrp="1"/>
+          </p:cNvSpPr>
+          <p:nvPr>
+            <p:ph sz="quarter" idx="13"/>
+          </p:nvPr>
+        </p:nvSpPr>
+        <p:spPr>
+          <a:xfrm>
+            <a:off x="5988424" y="846270"/>
+            <a:ext cx="5516495" cy="5375236"/>
+          </a:xfrm>
+        </p:spPr>
+        <p:txBody>
+          <a:bodyPr>
+            <a:normAutofit/>
+          </a:bodyPr>
+          <a:lstStyle/>
+          <a:p>
+            <a:pPr lvl="1"/>
+            <a:r>
+              <a:rPr lang="en-US" sz="1600" dirty="0"/>
+              <a:t>Data collection</a:t>
+            </a:r>
+          </a:p>
+          <a:p>
+            <a:pPr lvl="2"/>
+            <a:r>
+              <a:rPr lang="en-US" sz="1400" dirty="0"/>
+              <a:t>the weighted sample  should simulate the  population DATA of country’s tax return forms.</a:t>
+            </a:r>
+          </a:p>
+          <a:p>
+            <a:pPr lvl="2"/>
+            <a:r>
+              <a:rPr lang="en-US" sz="1400" dirty="0"/>
+              <a:t>The stratified sample size should depend on the variance in the population data. </a:t>
+            </a:r>
+          </a:p>
+          <a:p>
+            <a:pPr lvl="2"/>
+            <a:r>
+              <a:rPr lang="en-US" sz="1400" dirty="0"/>
+              <a:t>The entire set of data records are not needed. </a:t>
+            </a:r>
+          </a:p>
+          <a:p>
+            <a:pPr lvl="2"/>
+            <a:r>
+              <a:rPr lang="en-US" sz="1400" dirty="0"/>
+              <a:t>A good sample size is close to the tax logic of the country.</a:t>
+            </a:r>
+          </a:p>
+          <a:p>
+            <a:pPr lvl="2"/>
+            <a:r>
+              <a:rPr lang="en-US" sz="1400" dirty="0"/>
+              <a:t>you also need to determine the rate at which the variables in the data are growing for future projections. </a:t>
+            </a:r>
+          </a:p>
+          <a:p>
+            <a:pPr lvl="2"/>
+            <a:r>
+              <a:rPr lang="en-US" sz="1400" dirty="0"/>
+              <a:t>The variables’ growth rate can depend on the logic you apply to the specific variables, for e.g. it could be GDP growth rates, salary growth rate or income house salary growth rate depending on the rationale of the variable.</a:t>
+            </a:r>
+          </a:p>
+          <a:p>
+            <a:pPr lvl="1"/>
+            <a:r>
+              <a:rPr lang="en-US" sz="1600" dirty="0"/>
+              <a:t>Records Module</a:t>
+            </a:r>
+          </a:p>
+          <a:p>
+            <a:pPr lvl="2"/>
+            <a:r>
+              <a:rPr lang="en-US" sz="1400" dirty="0"/>
+              <a:t>Tax Return information</a:t>
+            </a:r>
+          </a:p>
+          <a:p>
+            <a:pPr lvl="2"/>
+            <a:r>
+              <a:rPr lang="en-US" sz="1400" dirty="0"/>
+              <a:t>Data preparation including weights</a:t>
+            </a:r>
+          </a:p>
+          <a:p>
+            <a:pPr lvl="2"/>
+            <a:r>
+              <a:rPr lang="en-US" sz="1400" dirty="0"/>
+              <a:t>Data description</a:t>
+            </a:r>
+          </a:p>
+          <a:p>
+            <a:pPr lvl="1"/>
+            <a:r>
+              <a:rPr lang="en-US" sz="1600" dirty="0"/>
+              <a:t>Policy Module (and Policy Reform)</a:t>
+            </a:r>
+          </a:p>
+          <a:p>
+            <a:pPr lvl="1"/>
+            <a:r>
+              <a:rPr lang="en-US" sz="1600" dirty="0"/>
+              <a:t>Calculator Module (and Tax Functions)</a:t>
+            </a:r>
+          </a:p>
+          <a:p>
+            <a:pPr lvl="1"/>
+            <a:r>
+              <a:rPr lang="en-US" sz="1600" dirty="0"/>
+              <a:t>Grow Factors Module</a:t>
+            </a:r>
+          </a:p>
+          <a:p>
+            <a:pPr lvl="1"/>
+            <a:r>
+              <a:rPr lang="en-US" sz="1600" dirty="0"/>
+              <a:t>Applications Module (app0, app1, app2 etc.)</a:t>
+            </a:r>
+          </a:p>
+          <a:p>
+            <a:pPr lvl="2"/>
+            <a:endParaRPr lang="en-US" sz="900" dirty="0"/>
+          </a:p>
+          <a:p>
+            <a:pPr lvl="2"/>
+            <a:endParaRPr lang="en-US" sz="900" dirty="0"/>
+          </a:p>
+          <a:p>
+            <a:pPr lvl="2"/>
+            <a:endParaRPr lang="en-US" sz="900" dirty="0"/>
+          </a:p>
+          <a:p>
+            <a:endParaRPr lang="en-US" sz="900" dirty="0"/>
+          </a:p>
+        </p:txBody>
+      </p:sp>
+      <p:pic>
+        <p:nvPicPr>
+          <p:cNvPr id="5" name="Content Placeholder 9" descr="A close up of electronics&#10;&#10;Description automatically generated">
+            <a:extLst>
+              <a:ext uri="{FF2B5EF4-FFF2-40B4-BE49-F238E27FC236}">
+                <a16:creationId xmlns:a16="http://schemas.microsoft.com/office/drawing/2014/main" id="{482CEDD2-A0D6-4D3D-A252-5264A5C4A4EC}"/>
+              </a:ext>
+            </a:extLst>
+          </p:cNvPr>
+          <p:cNvPicPr>
+            <a:picLocks noChangeAspect="1"/>
+          </p:cNvPicPr>
+          <p:nvPr/>
+        </p:nvPicPr>
+        <p:blipFill>
+          <a:blip r:embed="rId2">
+            <a:extLst>
+              <a:ext uri="{28A0092B-C50C-407E-A947-70E740481C1C}">
+                <a14:useLocalDpi xmlns:a14="http://schemas.microsoft.com/office/drawing/2010/main" val="0"/>
+              </a:ext>
+            </a:extLst>
+          </a:blip>
+          <a:stretch>
+            <a:fillRect/>
+          </a:stretch>
+        </p:blipFill>
+        <p:spPr>
+          <a:xfrm>
+            <a:off x="557303" y="1147548"/>
+            <a:ext cx="5090461" cy="4299472"/>
+          </a:xfrm>
+          <a:prstGeom prst="rect">
+            <a:avLst/>
+          </a:prstGeom>
+          <a:scene3d>
+            <a:camera prst="orthographicFront"/>
+            <a:lightRig rig="threePt" dir="t">
+              <a:rot lat="0" lon="0" rev="2700000"/>
+            </a:lightRig>
+          </a:scene3d>
+          <a:sp3d contourW="6350">
+            <a:bevelT h="38100"/>
+            <a:contourClr>
+              <a:srgbClr val="C0C0C0"/>
+            </a:contourClr>
+          </a:sp3d>
+        </p:spPr>
+      </p:pic>
+    </p:spTree>
+    <p:extLst>
+      <p:ext uri="{BB962C8B-B14F-4D97-AF65-F5344CB8AC3E}">
+        <p14:creationId xmlns:p14="http://schemas.microsoft.com/office/powerpoint/2010/main" val="109466180"/>
+      </p:ext>
+    </p:extLst>
+  </p:cSld>
+  <p:clrMapOvr>
+    <a:masterClrMapping/>
+  </p:clrMapOvr>
+</p:sld>
+</file>
+
+<file path=ppt/slides/slide40.xml><?xml version="1.0" encoding="utf-8"?>
+<p:sld xmlns:a="http://schemas.openxmlformats.org/drawingml/2006/main" xmlns:r="http://schemas.openxmlformats.org/officeDocument/2006/relationships" xmlns:p="http://schemas.openxmlformats.org/presentationml/2006/main">
+  <p:cSld>
+    <p:spTree>
+      <p:nvGrpSpPr>
+        <p:cNvPr id="1" name=""/>
+        <p:cNvGrpSpPr/>
+        <p:nvPr/>
+      </p:nvGrpSpPr>
+      <p:grpSpPr>
+        <a:xfrm>
+          <a:off x="0" y="0"/>
+          <a:ext cx="0" cy="0"/>
+          <a:chOff x="0" y="0"/>
+          <a:chExt cx="0" cy="0"/>
+        </a:xfrm>
+      </p:grpSpPr>
+      <p:sp>
+        <p:nvSpPr>
           <p:cNvPr id="2" name="Title 1">
             <a:extLst>
               <a:ext uri="{FF2B5EF4-FFF2-40B4-BE49-F238E27FC236}">
@@ -21792,7 +23304,7 @@
           <a:p>
             <a:fld id="{52C44A77-5F5E-4CB9-8D56-F5EB4797E63D}" type="slidenum">
               <a:rPr lang="en-US" smtClean="0"/>
-              <a:t>36</a:t>
+              <a:t>40</a:t>
             </a:fld>
             <a:endParaRPr lang="en-US"/>
           </a:p>
@@ -22574,7 +24086,7 @@
 </p:sld>
 </file>
 
-<file path=ppt/slides/slide37.xml><?xml version="1.0" encoding="utf-8"?>
+<file path=ppt/slides/slide41.xml><?xml version="1.0" encoding="utf-8"?>
 <p:sld xmlns:a="http://schemas.openxmlformats.org/drawingml/2006/main" xmlns:r="http://schemas.openxmlformats.org/officeDocument/2006/relationships" xmlns:p="http://schemas.openxmlformats.org/presentationml/2006/main">
   <p:cSld>
     <p:spTree>
@@ -23710,7 +25222,7 @@
 </p:sld>
 </file>
 
-<file path=ppt/slides/slide38.xml><?xml version="1.0" encoding="utf-8"?>
+<file path=ppt/slides/slide42.xml><?xml version="1.0" encoding="utf-8"?>
 <p:sld xmlns:a="http://schemas.openxmlformats.org/drawingml/2006/main" xmlns:r="http://schemas.openxmlformats.org/officeDocument/2006/relationships" xmlns:p="http://schemas.openxmlformats.org/presentationml/2006/main">
   <p:cSld>
     <p:spTree>
@@ -24017,7 +25529,7 @@
 </p:sld>
 </file>
 
-<file path=ppt/slides/slide39.xml><?xml version="1.0" encoding="utf-8"?>
+<file path=ppt/slides/slide43.xml><?xml version="1.0" encoding="utf-8"?>
 <p:sld xmlns:a="http://schemas.openxmlformats.org/drawingml/2006/main" xmlns:r="http://schemas.openxmlformats.org/officeDocument/2006/relationships" xmlns:p="http://schemas.openxmlformats.org/presentationml/2006/main">
   <p:cSld>
     <p:spTree>
@@ -24722,285 +26234,7 @@
 </p:sld>
 </file>
 
-<file path=ppt/slides/slide4.xml><?xml version="1.0" encoding="utf-8"?>
-<p:sld xmlns:a="http://schemas.openxmlformats.org/drawingml/2006/main" xmlns:r="http://schemas.openxmlformats.org/officeDocument/2006/relationships" xmlns:p="http://schemas.openxmlformats.org/presentationml/2006/main">
-  <p:cSld>
-    <p:bg>
-      <p:bgPr>
-        <a:solidFill>
-          <a:schemeClr val="bg1"/>
-        </a:solidFill>
-        <a:effectLst/>
-      </p:bgPr>
-    </p:bg>
-    <p:spTree>
-      <p:nvGrpSpPr>
-        <p:cNvPr id="1" name=""/>
-        <p:cNvGrpSpPr/>
-        <p:nvPr/>
-      </p:nvGrpSpPr>
-      <p:grpSpPr>
-        <a:xfrm>
-          <a:off x="0" y="0"/>
-          <a:ext cx="0" cy="0"/>
-          <a:chOff x="0" y="0"/>
-          <a:chExt cx="0" cy="0"/>
-        </a:xfrm>
-      </p:grpSpPr>
-      <p:sp>
-        <p:nvSpPr>
-          <p:cNvPr id="2" name="Title 1">
-            <a:extLst>
-              <a:ext uri="{FF2B5EF4-FFF2-40B4-BE49-F238E27FC236}">
-                <a16:creationId xmlns:a16="http://schemas.microsoft.com/office/drawing/2014/main" id="{06D5549D-75DA-4CC8-816A-FEDB28FD56A1}"/>
-              </a:ext>
-            </a:extLst>
-          </p:cNvPr>
-          <p:cNvSpPr>
-            <a:spLocks noGrp="1"/>
-          </p:cNvSpPr>
-          <p:nvPr>
-            <p:ph type="title"/>
-          </p:nvPr>
-        </p:nvSpPr>
-        <p:spPr>
-          <a:xfrm>
-            <a:off x="2662518" y="188258"/>
-            <a:ext cx="7117975" cy="485489"/>
-          </a:xfrm>
-        </p:spPr>
-        <p:txBody>
-          <a:bodyPr>
-            <a:normAutofit fontScale="90000"/>
-          </a:bodyPr>
-          <a:lstStyle/>
-          <a:p>
-            <a:pPr algn="ctr"/>
-            <a:br>
-              <a:rPr lang="en-US" sz="3600" dirty="0"/>
-            </a:br>
-            <a:r>
-              <a:rPr lang="en-US" sz="3600" dirty="0"/>
-              <a:t>What Are The Key Inputs To The Model?</a:t>
-            </a:r>
-            <a:br>
-              <a:rPr lang="en-US" sz="2000" dirty="0"/>
-            </a:br>
-            <a:endParaRPr lang="en-US" sz="2000" dirty="0"/>
-          </a:p>
-        </p:txBody>
-      </p:sp>
-      <p:sp>
-        <p:nvSpPr>
-          <p:cNvPr id="3" name="Content Placeholder 2">
-            <a:extLst>
-              <a:ext uri="{FF2B5EF4-FFF2-40B4-BE49-F238E27FC236}">
-                <a16:creationId xmlns:a16="http://schemas.microsoft.com/office/drawing/2014/main" id="{F4506083-C3B1-47B8-A7F6-BD4013761D40}"/>
-              </a:ext>
-            </a:extLst>
-          </p:cNvPr>
-          <p:cNvSpPr>
-            <a:spLocks noGrp="1"/>
-          </p:cNvSpPr>
-          <p:nvPr>
-            <p:ph sz="quarter" idx="13"/>
-          </p:nvPr>
-        </p:nvSpPr>
-        <p:spPr>
-          <a:xfrm>
-            <a:off x="5988424" y="846270"/>
-            <a:ext cx="5516495" cy="5375236"/>
-          </a:xfrm>
-        </p:spPr>
-        <p:txBody>
-          <a:bodyPr>
-            <a:normAutofit/>
-          </a:bodyPr>
-          <a:lstStyle/>
-          <a:p>
-            <a:pPr lvl="1"/>
-            <a:r>
-              <a:rPr lang="en-US" sz="1600" dirty="0"/>
-              <a:t>Data collection</a:t>
-            </a:r>
-          </a:p>
-          <a:p>
-            <a:pPr lvl="2"/>
-            <a:r>
-              <a:rPr lang="en-US" sz="1400" dirty="0"/>
-              <a:t>the weighted sample  should simulate the  population DATA of country’s tax return forms.</a:t>
-            </a:r>
-          </a:p>
-          <a:p>
-            <a:pPr lvl="2"/>
-            <a:r>
-              <a:rPr lang="en-US" sz="1400" dirty="0"/>
-              <a:t>The stratified sample size should depend on the variance in the population data. </a:t>
-            </a:r>
-          </a:p>
-          <a:p>
-            <a:pPr lvl="2"/>
-            <a:r>
-              <a:rPr lang="en-US" sz="1400" dirty="0"/>
-              <a:t>The entire set of data records are not needed. </a:t>
-            </a:r>
-          </a:p>
-          <a:p>
-            <a:pPr lvl="2"/>
-            <a:r>
-              <a:rPr lang="en-US" sz="1400" dirty="0"/>
-              <a:t>A good sample size is close to the tax logic of the country.</a:t>
-            </a:r>
-          </a:p>
-          <a:p>
-            <a:pPr lvl="2"/>
-            <a:r>
-              <a:rPr lang="en-US" sz="1400" dirty="0"/>
-              <a:t>you also need to determine the rate at which the variables in the data are growing for future projections. </a:t>
-            </a:r>
-          </a:p>
-          <a:p>
-            <a:pPr lvl="2"/>
-            <a:r>
-              <a:rPr lang="en-US" sz="1400" dirty="0"/>
-              <a:t>The variables’ growth rate can depend on the logic you apply to the specific variables, for e.g. it could be GDP growth rates, salary growth rate or income house salary growth rate depending on the rationale of the variable.</a:t>
-            </a:r>
-          </a:p>
-          <a:p>
-            <a:pPr lvl="1"/>
-            <a:r>
-              <a:rPr lang="en-US" sz="1600" dirty="0"/>
-              <a:t>Records Module</a:t>
-            </a:r>
-          </a:p>
-          <a:p>
-            <a:pPr lvl="2"/>
-            <a:r>
-              <a:rPr lang="en-US" sz="1400" dirty="0"/>
-              <a:t>Tax Return information</a:t>
-            </a:r>
-          </a:p>
-          <a:p>
-            <a:pPr lvl="2"/>
-            <a:r>
-              <a:rPr lang="en-US" sz="1400" dirty="0"/>
-              <a:t>Data preparation including weights</a:t>
-            </a:r>
-          </a:p>
-          <a:p>
-            <a:pPr lvl="2"/>
-            <a:r>
-              <a:rPr lang="en-US" sz="1400" dirty="0"/>
-              <a:t>Data description</a:t>
-            </a:r>
-          </a:p>
-          <a:p>
-            <a:pPr lvl="1"/>
-            <a:r>
-              <a:rPr lang="en-US" sz="1600" dirty="0"/>
-              <a:t>Policy Module (and Policy Reform)</a:t>
-            </a:r>
-          </a:p>
-          <a:p>
-            <a:pPr lvl="1"/>
-            <a:r>
-              <a:rPr lang="en-US" sz="1600" dirty="0"/>
-              <a:t>Calculator Module (and Tax Functions)</a:t>
-            </a:r>
-          </a:p>
-          <a:p>
-            <a:pPr lvl="1"/>
-            <a:r>
-              <a:rPr lang="en-US" sz="1600" dirty="0"/>
-              <a:t>Grow Factors Module</a:t>
-            </a:r>
-          </a:p>
-          <a:p>
-            <a:pPr lvl="1"/>
-            <a:r>
-              <a:rPr lang="en-US" sz="1600" dirty="0"/>
-              <a:t>Applications Module (app0, app1, app2 etc.)</a:t>
-            </a:r>
-          </a:p>
-          <a:p>
-            <a:pPr lvl="2"/>
-            <a:endParaRPr lang="en-US" sz="900" dirty="0"/>
-          </a:p>
-          <a:p>
-            <a:pPr lvl="2"/>
-            <a:endParaRPr lang="en-US" sz="900" dirty="0"/>
-          </a:p>
-          <a:p>
-            <a:pPr lvl="2"/>
-            <a:endParaRPr lang="en-US" sz="900" dirty="0"/>
-          </a:p>
-          <a:p>
-            <a:endParaRPr lang="en-US" sz="900" dirty="0"/>
-          </a:p>
-        </p:txBody>
-      </p:sp>
-      <p:pic>
-        <p:nvPicPr>
-          <p:cNvPr id="5" name="Content Placeholder 9" descr="A close up of electronics&#10;&#10;Description automatically generated">
-            <a:extLst>
-              <a:ext uri="{FF2B5EF4-FFF2-40B4-BE49-F238E27FC236}">
-                <a16:creationId xmlns:a16="http://schemas.microsoft.com/office/drawing/2014/main" id="{482CEDD2-A0D6-4D3D-A252-5264A5C4A4EC}"/>
-              </a:ext>
-            </a:extLst>
-          </p:cNvPr>
-          <p:cNvPicPr>
-            <a:picLocks noChangeAspect="1"/>
-          </p:cNvPicPr>
-          <p:nvPr/>
-        </p:nvPicPr>
-        <p:blipFill>
-          <a:blip r:embed="rId2">
-            <a:extLst>
-              <a:ext uri="{28A0092B-C50C-407E-A947-70E740481C1C}">
-                <a14:useLocalDpi xmlns:a14="http://schemas.microsoft.com/office/drawing/2010/main" val="0"/>
-              </a:ext>
-            </a:extLst>
-          </a:blip>
-          <a:stretch>
-            <a:fillRect/>
-          </a:stretch>
-        </p:blipFill>
-        <p:spPr>
-          <a:xfrm>
-            <a:off x="557303" y="1147548"/>
-            <a:ext cx="5090461" cy="4299472"/>
-          </a:xfrm>
-          <a:prstGeom prst="rect">
-            <a:avLst/>
-          </a:prstGeom>
-          <a:scene3d>
-            <a:camera prst="orthographicFront"/>
-            <a:lightRig rig="threePt" dir="t">
-              <a:rot lat="0" lon="0" rev="2700000"/>
-            </a:lightRig>
-          </a:scene3d>
-          <a:sp3d contourW="6350">
-            <a:bevelT h="38100"/>
-            <a:contourClr>
-              <a:srgbClr val="C0C0C0"/>
-            </a:contourClr>
-          </a:sp3d>
-        </p:spPr>
-      </p:pic>
-    </p:spTree>
-    <p:extLst>
-      <p:ext uri="{BB962C8B-B14F-4D97-AF65-F5344CB8AC3E}">
-        <p14:creationId xmlns:p14="http://schemas.microsoft.com/office/powerpoint/2010/main" val="109466180"/>
-      </p:ext>
-    </p:extLst>
-  </p:cSld>
-  <p:clrMapOvr>
-    <a:masterClrMapping/>
-  </p:clrMapOvr>
-</p:sld>
-</file>
-
-<file path=ppt/slides/slide40.xml><?xml version="1.0" encoding="utf-8"?>
+<file path=ppt/slides/slide44.xml><?xml version="1.0" encoding="utf-8"?>
 <p:sld xmlns:a="http://schemas.openxmlformats.org/drawingml/2006/main" xmlns:r="http://schemas.openxmlformats.org/officeDocument/2006/relationships" xmlns:p="http://schemas.openxmlformats.org/presentationml/2006/main">
   <p:cSld>
     <p:bg>
@@ -25141,7 +26375,7 @@
                   <a:spcPts val="600"/>
                 </a:spcAft>
               </a:pPr>
-              <a:t>40</a:t>
+              <a:t>44</a:t>
             </a:fld>
             <a:endParaRPr lang="en-US"/>
           </a:p>
@@ -25160,7 +26394,7 @@
 </p:sld>
 </file>
 
-<file path=ppt/slides/slide41.xml><?xml version="1.0" encoding="utf-8"?>
+<file path=ppt/slides/slide45.xml><?xml version="1.0" encoding="utf-8"?>
 <p:sld xmlns:a="http://schemas.openxmlformats.org/drawingml/2006/main" xmlns:r="http://schemas.openxmlformats.org/officeDocument/2006/relationships" xmlns:p="http://schemas.openxmlformats.org/presentationml/2006/main">
   <p:cSld>
     <p:bg>
